--- a/hcml-seminar-kickoff-meeting-2025.pptx
+++ b/hcml-seminar-kickoff-meeting-2025.pptx
@@ -1507,7 +1507,7 @@
               <a:pPr>
                 <a:defRPr/>
               </a:pPr>
-              <a:t>10/20/25</a:t>
+              <a:t>10/21/25</a:t>
             </a:fld>
             <a:endParaRPr lang="fi-FI"/>
           </a:p>
@@ -1704,7 +1704,7 @@
               <a:pPr>
                 <a:defRPr/>
               </a:pPr>
-              <a:t>10/20/25</a:t>
+              <a:t>10/21/25</a:t>
             </a:fld>
             <a:endParaRPr lang="fi-FI"/>
           </a:p>
@@ -1911,7 +1911,7 @@
               <a:pPr>
                 <a:defRPr/>
               </a:pPr>
-              <a:t>10/20/25</a:t>
+              <a:t>10/21/25</a:t>
             </a:fld>
             <a:endParaRPr lang="fi-FI"/>
           </a:p>
@@ -2108,7 +2108,7 @@
               <a:pPr>
                 <a:defRPr/>
               </a:pPr>
-              <a:t>10/20/25</a:t>
+              <a:t>10/21/25</a:t>
             </a:fld>
             <a:endParaRPr lang="fi-FI"/>
           </a:p>
@@ -2328,7 +2328,7 @@
               <a:pPr>
                 <a:defRPr/>
               </a:pPr>
-              <a:t>10/20/25</a:t>
+              <a:t>10/21/25</a:t>
             </a:fld>
             <a:endParaRPr lang="fi-FI"/>
           </a:p>
@@ -2642,7 +2642,7 @@
               <a:pPr>
                 <a:defRPr/>
               </a:pPr>
-              <a:t>10/20/25</a:t>
+              <a:t>10/21/25</a:t>
             </a:fld>
             <a:endParaRPr lang="fi-FI"/>
           </a:p>
@@ -3095,7 +3095,7 @@
               <a:pPr>
                 <a:defRPr/>
               </a:pPr>
-              <a:t>10/20/25</a:t>
+              <a:t>10/21/25</a:t>
             </a:fld>
             <a:endParaRPr lang="fi-FI"/>
           </a:p>
@@ -3241,7 +3241,7 @@
               <a:pPr>
                 <a:defRPr/>
               </a:pPr>
-              <a:t>10/20/25</a:t>
+              <a:t>10/21/25</a:t>
             </a:fld>
             <a:endParaRPr lang="fi-FI"/>
           </a:p>
@@ -3365,7 +3365,7 @@
               <a:pPr>
                 <a:defRPr/>
               </a:pPr>
-              <a:t>10/20/25</a:t>
+              <a:t>10/21/25</a:t>
             </a:fld>
             <a:endParaRPr lang="fi-FI"/>
           </a:p>
@@ -3669,7 +3669,7 @@
               <a:pPr>
                 <a:defRPr/>
               </a:pPr>
-              <a:t>10/20/25</a:t>
+              <a:t>10/21/25</a:t>
             </a:fld>
             <a:endParaRPr lang="fi-FI"/>
           </a:p>
@@ -3951,7 +3951,7 @@
               <a:pPr>
                 <a:defRPr/>
               </a:pPr>
-              <a:t>10/20/25</a:t>
+              <a:t>10/21/25</a:t>
             </a:fld>
             <a:endParaRPr lang="fi-FI"/>
           </a:p>
@@ -4245,7 +4245,7 @@
               <a:pPr>
                 <a:defRPr/>
               </a:pPr>
-              <a:t>10/20/25</a:t>
+              <a:t>10/21/25</a:t>
             </a:fld>
             <a:endParaRPr lang="fi-FI"/>
           </a:p>
@@ -5877,7 +5877,7 @@
                 </a:solidFill>
                 <a:latin typeface="Calibri"/>
               </a:rPr>
-              <a:t>https://github.com/Networks-Learning/hcml-seminar-2024</a:t>
+              <a:t>https://github.com/Networks-Learning/hcml-seminar-2025</a:t>
             </a:r>
             <a:endParaRPr lang="en-US" sz="1768" b="1" kern="0" dirty="0">
               <a:solidFill>
